--- a/Stellar_0.1/documents/research/uqer_research.pptx
+++ b/Stellar_0.1/documents/research/uqer_research.pptx
@@ -5,7 +5,7 @@
     <p:sldMasterId id="2147483648" r:id="rId1"/>
   </p:sldMasterIdLst>
   <p:notesMasterIdLst>
-    <p:notesMasterId r:id="rId39"/>
+    <p:notesMasterId r:id="rId40"/>
   </p:notesMasterIdLst>
   <p:sldIdLst>
     <p:sldId id="276" r:id="rId2"/>
@@ -41,10 +41,11 @@
     <p:sldId id="527" r:id="rId32"/>
     <p:sldId id="528" r:id="rId33"/>
     <p:sldId id="530" r:id="rId34"/>
-    <p:sldId id="500" r:id="rId35"/>
-    <p:sldId id="501" r:id="rId36"/>
-    <p:sldId id="502" r:id="rId37"/>
-    <p:sldId id="349" r:id="rId38"/>
+    <p:sldId id="532" r:id="rId35"/>
+    <p:sldId id="500" r:id="rId36"/>
+    <p:sldId id="501" r:id="rId37"/>
+    <p:sldId id="502" r:id="rId38"/>
+    <p:sldId id="349" r:id="rId39"/>
   </p:sldIdLst>
   <p:sldSz cx="12192000" cy="6858000"/>
   <p:notesSz cx="6858000" cy="9144000"/>
@@ -233,7 +234,7 @@
           <a:p>
             <a:fld id="{898613DB-8F97-1741-9118-0D4449739394}" type="datetimeFigureOut">
               <a:rPr kumimoji="1" lang="zh-CN" altLang="en-US" smtClean="0"/>
-              <a:t>16/9/30</a:t>
+              <a:t>16/10/10</a:t>
             </a:fld>
             <a:endParaRPr kumimoji="1" lang="zh-CN" altLang="en-US"/>
           </a:p>
@@ -2842,7 +2843,7 @@
     </p:spTree>
     <p:extLst>
       <p:ext uri="{BB962C8B-B14F-4D97-AF65-F5344CB8AC3E}">
-        <p14:creationId xmlns:p14="http://schemas.microsoft.com/office/powerpoint/2010/main" val="874296406"/>
+        <p14:creationId xmlns:p14="http://schemas.microsoft.com/office/powerpoint/2010/main" val="1888066843"/>
       </p:ext>
     </p:extLst>
   </p:cSld>
@@ -2926,7 +2927,7 @@
     </p:spTree>
     <p:extLst>
       <p:ext uri="{BB962C8B-B14F-4D97-AF65-F5344CB8AC3E}">
-        <p14:creationId xmlns:p14="http://schemas.microsoft.com/office/powerpoint/2010/main" val="1369152478"/>
+        <p14:creationId xmlns:p14="http://schemas.microsoft.com/office/powerpoint/2010/main" val="874296406"/>
       </p:ext>
     </p:extLst>
   </p:cSld>
@@ -3010,7 +3011,7 @@
     </p:spTree>
     <p:extLst>
       <p:ext uri="{BB962C8B-B14F-4D97-AF65-F5344CB8AC3E}">
-        <p14:creationId xmlns:p14="http://schemas.microsoft.com/office/powerpoint/2010/main" val="537264736"/>
+        <p14:creationId xmlns:p14="http://schemas.microsoft.com/office/powerpoint/2010/main" val="1369152478"/>
       </p:ext>
     </p:extLst>
   </p:cSld>
@@ -3086,6 +3087,90 @@
             <a:fld id="{0D51102C-5B02-9E42-B7BA-D19F32FE7002}" type="slidenum">
               <a:rPr kumimoji="1" lang="zh-CN" altLang="en-US" smtClean="0"/>
               <a:t>37</a:t>
+            </a:fld>
+            <a:endParaRPr kumimoji="1" lang="zh-CN" altLang="en-US"/>
+          </a:p>
+        </p:txBody>
+      </p:sp>
+    </p:spTree>
+    <p:extLst>
+      <p:ext uri="{BB962C8B-B14F-4D97-AF65-F5344CB8AC3E}">
+        <p14:creationId xmlns:p14="http://schemas.microsoft.com/office/powerpoint/2010/main" val="537264736"/>
+      </p:ext>
+    </p:extLst>
+  </p:cSld>
+  <p:clrMapOvr>
+    <a:masterClrMapping/>
+  </p:clrMapOvr>
+</p:notes>
+</file>
+
+<file path=ppt/notesSlides/notesSlide38.xml><?xml version="1.0" encoding="utf-8"?>
+<p:notes xmlns:a="http://schemas.openxmlformats.org/drawingml/2006/main" xmlns:r="http://schemas.openxmlformats.org/officeDocument/2006/relationships" xmlns:p="http://schemas.openxmlformats.org/presentationml/2006/main">
+  <p:cSld>
+    <p:spTree>
+      <p:nvGrpSpPr>
+        <p:cNvPr id="1" name=""/>
+        <p:cNvGrpSpPr/>
+        <p:nvPr/>
+      </p:nvGrpSpPr>
+      <p:grpSpPr>
+        <a:xfrm>
+          <a:off x="0" y="0"/>
+          <a:ext cx="0" cy="0"/>
+          <a:chOff x="0" y="0"/>
+          <a:chExt cx="0" cy="0"/>
+        </a:xfrm>
+      </p:grpSpPr>
+      <p:sp>
+        <p:nvSpPr>
+          <p:cNvPr id="2" name="幻灯片图像占位符 1"/>
+          <p:cNvSpPr>
+            <a:spLocks noGrp="1" noRot="1" noChangeAspect="1"/>
+          </p:cNvSpPr>
+          <p:nvPr>
+            <p:ph type="sldImg"/>
+          </p:nvPr>
+        </p:nvSpPr>
+        <p:spPr/>
+      </p:sp>
+      <p:sp>
+        <p:nvSpPr>
+          <p:cNvPr id="3" name="备注占位符 2"/>
+          <p:cNvSpPr>
+            <a:spLocks noGrp="1"/>
+          </p:cNvSpPr>
+          <p:nvPr>
+            <p:ph type="body" idx="1"/>
+          </p:nvPr>
+        </p:nvSpPr>
+        <p:spPr/>
+        <p:txBody>
+          <a:bodyPr/>
+          <a:lstStyle/>
+          <a:p>
+            <a:endParaRPr kumimoji="1" lang="zh-CN" altLang="en-US" dirty="0"/>
+          </a:p>
+        </p:txBody>
+      </p:sp>
+      <p:sp>
+        <p:nvSpPr>
+          <p:cNvPr id="4" name="幻灯片编号占位符 3"/>
+          <p:cNvSpPr>
+            <a:spLocks noGrp="1"/>
+          </p:cNvSpPr>
+          <p:nvPr>
+            <p:ph type="sldNum" sz="quarter" idx="10"/>
+          </p:nvPr>
+        </p:nvSpPr>
+        <p:spPr/>
+        <p:txBody>
+          <a:bodyPr/>
+          <a:lstStyle/>
+          <a:p>
+            <a:fld id="{0D51102C-5B02-9E42-B7BA-D19F32FE7002}" type="slidenum">
+              <a:rPr kumimoji="1" lang="zh-CN" altLang="en-US" smtClean="0"/>
+              <a:t>38</a:t>
             </a:fld>
             <a:endParaRPr kumimoji="1" lang="zh-CN" altLang="en-US"/>
           </a:p>
@@ -3737,7 +3822,7 @@
           <a:p>
             <a:fld id="{3B59D8F7-997B-304D-A0DA-493074199D5A}" type="datetimeFigureOut">
               <a:rPr kumimoji="1" lang="zh-CN" altLang="en-US" smtClean="0"/>
-              <a:t>16/9/30</a:t>
+              <a:t>16/10/10</a:t>
             </a:fld>
             <a:endParaRPr kumimoji="1" lang="zh-CN" altLang="en-US"/>
           </a:p>
@@ -3905,7 +3990,7 @@
           <a:p>
             <a:fld id="{3B59D8F7-997B-304D-A0DA-493074199D5A}" type="datetimeFigureOut">
               <a:rPr kumimoji="1" lang="zh-CN" altLang="en-US" smtClean="0"/>
-              <a:t>16/9/30</a:t>
+              <a:t>16/10/10</a:t>
             </a:fld>
             <a:endParaRPr kumimoji="1" lang="zh-CN" altLang="en-US"/>
           </a:p>
@@ -4083,7 +4168,7 @@
           <a:p>
             <a:fld id="{3B59D8F7-997B-304D-A0DA-493074199D5A}" type="datetimeFigureOut">
               <a:rPr kumimoji="1" lang="zh-CN" altLang="en-US" smtClean="0"/>
-              <a:t>16/9/30</a:t>
+              <a:t>16/10/10</a:t>
             </a:fld>
             <a:endParaRPr kumimoji="1" lang="zh-CN" altLang="en-US"/>
           </a:p>
@@ -4251,7 +4336,7 @@
           <a:p>
             <a:fld id="{3B59D8F7-997B-304D-A0DA-493074199D5A}" type="datetimeFigureOut">
               <a:rPr kumimoji="1" lang="zh-CN" altLang="en-US" smtClean="0"/>
-              <a:t>16/9/30</a:t>
+              <a:t>16/10/10</a:t>
             </a:fld>
             <a:endParaRPr kumimoji="1" lang="zh-CN" altLang="en-US"/>
           </a:p>
@@ -4496,7 +4581,7 @@
           <a:p>
             <a:fld id="{3B59D8F7-997B-304D-A0DA-493074199D5A}" type="datetimeFigureOut">
               <a:rPr kumimoji="1" lang="zh-CN" altLang="en-US" smtClean="0"/>
-              <a:t>16/9/30</a:t>
+              <a:t>16/10/10</a:t>
             </a:fld>
             <a:endParaRPr kumimoji="1" lang="zh-CN" altLang="en-US"/>
           </a:p>
@@ -4725,7 +4810,7 @@
           <a:p>
             <a:fld id="{3B59D8F7-997B-304D-A0DA-493074199D5A}" type="datetimeFigureOut">
               <a:rPr kumimoji="1" lang="zh-CN" altLang="en-US" smtClean="0"/>
-              <a:t>16/9/30</a:t>
+              <a:t>16/10/10</a:t>
             </a:fld>
             <a:endParaRPr kumimoji="1" lang="zh-CN" altLang="en-US"/>
           </a:p>
@@ -5089,7 +5174,7 @@
           <a:p>
             <a:fld id="{3B59D8F7-997B-304D-A0DA-493074199D5A}" type="datetimeFigureOut">
               <a:rPr kumimoji="1" lang="zh-CN" altLang="en-US" smtClean="0"/>
-              <a:t>16/9/30</a:t>
+              <a:t>16/10/10</a:t>
             </a:fld>
             <a:endParaRPr kumimoji="1" lang="zh-CN" altLang="en-US"/>
           </a:p>
@@ -5206,7 +5291,7 @@
           <a:p>
             <a:fld id="{3B59D8F7-997B-304D-A0DA-493074199D5A}" type="datetimeFigureOut">
               <a:rPr kumimoji="1" lang="zh-CN" altLang="en-US" smtClean="0"/>
-              <a:t>16/9/30</a:t>
+              <a:t>16/10/10</a:t>
             </a:fld>
             <a:endParaRPr kumimoji="1" lang="zh-CN" altLang="en-US"/>
           </a:p>
@@ -5301,7 +5386,7 @@
           <a:p>
             <a:fld id="{3B59D8F7-997B-304D-A0DA-493074199D5A}" type="datetimeFigureOut">
               <a:rPr kumimoji="1" lang="zh-CN" altLang="en-US" smtClean="0"/>
-              <a:t>16/9/30</a:t>
+              <a:t>16/10/10</a:t>
             </a:fld>
             <a:endParaRPr kumimoji="1" lang="zh-CN" altLang="en-US"/>
           </a:p>
@@ -5576,7 +5661,7 @@
           <a:p>
             <a:fld id="{3B59D8F7-997B-304D-A0DA-493074199D5A}" type="datetimeFigureOut">
               <a:rPr kumimoji="1" lang="zh-CN" altLang="en-US" smtClean="0"/>
-              <a:t>16/9/30</a:t>
+              <a:t>16/10/10</a:t>
             </a:fld>
             <a:endParaRPr kumimoji="1" lang="zh-CN" altLang="en-US"/>
           </a:p>
@@ -5828,7 +5913,7 @@
           <a:p>
             <a:fld id="{3B59D8F7-997B-304D-A0DA-493074199D5A}" type="datetimeFigureOut">
               <a:rPr kumimoji="1" lang="zh-CN" altLang="en-US" smtClean="0"/>
-              <a:t>16/9/30</a:t>
+              <a:t>16/10/10</a:t>
             </a:fld>
             <a:endParaRPr kumimoji="1" lang="zh-CN" altLang="en-US"/>
           </a:p>
@@ -6039,7 +6124,7 @@
           <a:p>
             <a:fld id="{3B59D8F7-997B-304D-A0DA-493074199D5A}" type="datetimeFigureOut">
               <a:rPr kumimoji="1" lang="zh-CN" altLang="en-US" smtClean="0"/>
-              <a:t>16/9/30</a:t>
+              <a:t>16/10/10</a:t>
             </a:fld>
             <a:endParaRPr kumimoji="1" lang="zh-CN" altLang="en-US"/>
           </a:p>
@@ -14195,18 +14280,7 @@
                 <a:ea typeface="Yuanti SC Light" charset="-122"/>
                 <a:cs typeface="Yuanti SC Light" charset="-122"/>
               </a:rPr>
-              <a:t>和关键数据结构</a:t>
-            </a:r>
-            <a:r>
-              <a:rPr kumimoji="1" lang="zh-CN" altLang="en-US" sz="4000" dirty="0" smtClean="0">
-                <a:solidFill>
-                  <a:schemeClr val="bg1"/>
-                </a:solidFill>
-                <a:latin typeface="Yuanti SC Light" charset="-122"/>
-                <a:ea typeface="Yuanti SC Light" charset="-122"/>
-                <a:cs typeface="Yuanti SC Light" charset="-122"/>
-              </a:rPr>
-              <a:t>研究</a:t>
+              <a:t>和关键数据结构研究</a:t>
             </a:r>
             <a:endParaRPr kumimoji="1" lang="zh-CN" altLang="en-US" sz="4000" dirty="0">
               <a:solidFill>
@@ -14466,27 +14540,8 @@
                 <a:ea typeface="Yuanti SC" charset="-122"/>
                 <a:cs typeface="Yuanti SC" charset="-122"/>
               </a:rPr>
-              <a:t>和</a:t>
-            </a:r>
-            <a:r>
-              <a:rPr lang="zh-CN" altLang="en-US" sz="2800" dirty="0" smtClean="0">
-                <a:solidFill>
-                  <a:schemeClr val="bg1"/>
-                </a:solidFill>
-                <a:latin typeface="Yuanti SC" charset="-122"/>
-                <a:ea typeface="Yuanti SC" charset="-122"/>
-                <a:cs typeface="Yuanti SC" charset="-122"/>
-              </a:rPr>
-              <a:t>关键数据结构</a:t>
-            </a:r>
-            <a:endParaRPr lang="zh-CN" altLang="en-US" sz="2800" dirty="0" smtClean="0">
-              <a:solidFill>
-                <a:schemeClr val="bg1"/>
-              </a:solidFill>
-              <a:latin typeface="Yuanti SC" charset="-122"/>
-              <a:ea typeface="Yuanti SC" charset="-122"/>
-              <a:cs typeface="Yuanti SC" charset="-122"/>
-            </a:endParaRPr>
+              <a:t>和关键数据结构</a:t>
+            </a:r>
           </a:p>
           <a:p>
             <a:endParaRPr lang="zh-CN" altLang="en-US" dirty="0" smtClean="0">
@@ -14567,7 +14622,7 @@
           <p:nvPr>
             <p:extLst>
               <p:ext uri="{D42A27DB-BD31-4B8C-83A1-F6EECF244321}">
-                <p14:modId xmlns:p14="http://schemas.microsoft.com/office/powerpoint/2010/main" val="148939422"/>
+                <p14:modId xmlns:p14="http://schemas.microsoft.com/office/powerpoint/2010/main" val="1118401724"/>
               </p:ext>
             </p:extLst>
           </p:nvPr>
@@ -14580,7 +14635,7 @@
           <a:graphicData uri="http://schemas.openxmlformats.org/presentationml/2006/ole">
             <mc:AlternateContent xmlns:mc="http://schemas.openxmlformats.org/markup-compatibility/2006">
               <mc:Choice xmlns:v="urn:schemas-microsoft-com:vml" Requires="v">
-                <p:oleObj spid="_x0000_s1048" name="工作表" showAsIcon="1" r:id="rId5" imgW="965200" imgH="609600" progId="Excel.Sheet.12">
+                <p:oleObj spid="_x0000_s1069" name="工作表" showAsIcon="1" r:id="rId5" imgW="965200" imgH="609600" progId="Excel.Sheet.12">
                   <p:embed/>
                 </p:oleObj>
               </mc:Choice>
@@ -16035,14 +16090,14 @@
                 <a:gridCol w="1443760">
                   <a:extLst>
                     <a:ext uri="{9D8B030D-6E8A-4147-A177-3AD203B41FA5}">
-                      <a16:colId xmlns:a16="http://schemas.microsoft.com/office/drawing/2014/main" xmlns="" val="20000"/>
+                      <a16:colId xmlns="" xmlns:a16="http://schemas.microsoft.com/office/drawing/2014/main" val="20000"/>
                     </a:ext>
                   </a:extLst>
                 </a:gridCol>
                 <a:gridCol w="2111125">
                   <a:extLst>
                     <a:ext uri="{9D8B030D-6E8A-4147-A177-3AD203B41FA5}">
-                      <a16:colId xmlns:a16="http://schemas.microsoft.com/office/drawing/2014/main" xmlns="" val="20001"/>
+                      <a16:colId xmlns="" xmlns:a16="http://schemas.microsoft.com/office/drawing/2014/main" val="20001"/>
                     </a:ext>
                   </a:extLst>
                 </a:gridCol>
@@ -16479,7 +16534,7 @@
                 </a:tc>
                 <a:extLst>
                   <a:ext uri="{0D108BD9-81ED-4DB2-BD59-A6C34878D82A}">
-                    <a16:rowId xmlns:a16="http://schemas.microsoft.com/office/drawing/2014/main" xmlns="" val="10000"/>
+                    <a16:rowId xmlns="" xmlns:a16="http://schemas.microsoft.com/office/drawing/2014/main" val="10000"/>
                   </a:ext>
                 </a:extLst>
               </a:tr>
@@ -16947,7 +17002,7 @@
                 </a:tc>
                 <a:extLst>
                   <a:ext uri="{0D108BD9-81ED-4DB2-BD59-A6C34878D82A}">
-                    <a16:rowId xmlns:a16="http://schemas.microsoft.com/office/drawing/2014/main" xmlns="" val="10001"/>
+                    <a16:rowId xmlns="" xmlns:a16="http://schemas.microsoft.com/office/drawing/2014/main" val="10001"/>
                   </a:ext>
                 </a:extLst>
               </a:tr>
@@ -18264,21 +18319,21 @@
                 <a:gridCol w="1853596">
                   <a:extLst>
                     <a:ext uri="{9D8B030D-6E8A-4147-A177-3AD203B41FA5}">
-                      <a16:colId xmlns:a16="http://schemas.microsoft.com/office/drawing/2014/main" xmlns="" val="20000"/>
+                      <a16:colId xmlns="" xmlns:a16="http://schemas.microsoft.com/office/drawing/2014/main" val="20000"/>
                     </a:ext>
                   </a:extLst>
                 </a:gridCol>
                 <a:gridCol w="2561204">
                   <a:extLst>
                     <a:ext uri="{9D8B030D-6E8A-4147-A177-3AD203B41FA5}">
-                      <a16:colId xmlns:a16="http://schemas.microsoft.com/office/drawing/2014/main" xmlns="" val="20001"/>
+                      <a16:colId xmlns="" xmlns:a16="http://schemas.microsoft.com/office/drawing/2014/main" val="20001"/>
                     </a:ext>
                   </a:extLst>
                 </a:gridCol>
                 <a:gridCol w="6651172">
                   <a:extLst>
                     <a:ext uri="{9D8B030D-6E8A-4147-A177-3AD203B41FA5}">
-                      <a16:colId xmlns:a16="http://schemas.microsoft.com/office/drawing/2014/main" xmlns="" val="20002"/>
+                      <a16:colId xmlns="" xmlns:a16="http://schemas.microsoft.com/office/drawing/2014/main" val="20002"/>
                     </a:ext>
                   </a:extLst>
                 </a:gridCol>
@@ -18623,7 +18678,7 @@
                 </a:tc>
                 <a:extLst>
                   <a:ext uri="{0D108BD9-81ED-4DB2-BD59-A6C34878D82A}">
-                    <a16:rowId xmlns:a16="http://schemas.microsoft.com/office/drawing/2014/main" xmlns="" val="10000"/>
+                    <a16:rowId xmlns="" xmlns:a16="http://schemas.microsoft.com/office/drawing/2014/main" val="10000"/>
                   </a:ext>
                 </a:extLst>
               </a:tr>
@@ -18922,7 +18977,7 @@
                 </a:tc>
                 <a:extLst>
                   <a:ext uri="{0D108BD9-81ED-4DB2-BD59-A6C34878D82A}">
-                    <a16:rowId xmlns:a16="http://schemas.microsoft.com/office/drawing/2014/main" xmlns="" val="10001"/>
+                    <a16:rowId xmlns="" xmlns:a16="http://schemas.microsoft.com/office/drawing/2014/main" val="10001"/>
                   </a:ext>
                 </a:extLst>
               </a:tr>
@@ -19259,7 +19314,7 @@
                 </a:tc>
                 <a:extLst>
                   <a:ext uri="{0D108BD9-81ED-4DB2-BD59-A6C34878D82A}">
-                    <a16:rowId xmlns:a16="http://schemas.microsoft.com/office/drawing/2014/main" xmlns="" val="10002"/>
+                    <a16:rowId xmlns="" xmlns:a16="http://schemas.microsoft.com/office/drawing/2014/main" val="10002"/>
                   </a:ext>
                 </a:extLst>
               </a:tr>
@@ -19596,7 +19651,7 @@
                 </a:tc>
                 <a:extLst>
                   <a:ext uri="{0D108BD9-81ED-4DB2-BD59-A6C34878D82A}">
-                    <a16:rowId xmlns:a16="http://schemas.microsoft.com/office/drawing/2014/main" xmlns="" val="10003"/>
+                    <a16:rowId xmlns="" xmlns:a16="http://schemas.microsoft.com/office/drawing/2014/main" val="10003"/>
                   </a:ext>
                 </a:extLst>
               </a:tr>
@@ -19933,7 +19988,7 @@
                 </a:tc>
                 <a:extLst>
                   <a:ext uri="{0D108BD9-81ED-4DB2-BD59-A6C34878D82A}">
-                    <a16:rowId xmlns:a16="http://schemas.microsoft.com/office/drawing/2014/main" xmlns="" val="10004"/>
+                    <a16:rowId xmlns="" xmlns:a16="http://schemas.microsoft.com/office/drawing/2014/main" val="10004"/>
                   </a:ext>
                 </a:extLst>
               </a:tr>
@@ -20916,18 +20971,7 @@
                 <a:ea typeface="Yuanti SC" charset="-122"/>
                 <a:cs typeface="Yuanti SC" charset="-122"/>
               </a:rPr>
-              <a:t>实现和支持</a:t>
-            </a:r>
-            <a:r>
-              <a:rPr lang="zh-CN" altLang="en-US" sz="2800" dirty="0" smtClean="0">
-                <a:solidFill>
-                  <a:schemeClr val="bg1"/>
-                </a:solidFill>
-                <a:latin typeface="Yuanti SC" charset="-122"/>
-                <a:ea typeface="Yuanti SC" charset="-122"/>
-                <a:cs typeface="Yuanti SC" charset="-122"/>
-              </a:rPr>
-              <a:t>的框架模块</a:t>
+              <a:t>实现和支持的框架模块</a:t>
             </a:r>
             <a:endParaRPr lang="zh-CN" altLang="en-US" sz="2800" dirty="0">
               <a:solidFill>
@@ -21742,7 +21786,7 @@
                 <a:gridCol w="1486796">
                   <a:extLst>
                     <a:ext uri="{9D8B030D-6E8A-4147-A177-3AD203B41FA5}">
-                      <a16:colId xmlns:a16="http://schemas.microsoft.com/office/drawing/2014/main" xmlns="" val="20000"/>
+                      <a16:colId xmlns="" xmlns:a16="http://schemas.microsoft.com/office/drawing/2014/main" val="20000"/>
                     </a:ext>
                   </a:extLst>
                 </a:gridCol>
@@ -22006,7 +22050,7 @@
                 </a:tc>
                 <a:extLst>
                   <a:ext uri="{0D108BD9-81ED-4DB2-BD59-A6C34878D82A}">
-                    <a16:rowId xmlns:a16="http://schemas.microsoft.com/office/drawing/2014/main" xmlns="" val="10000"/>
+                    <a16:rowId xmlns="" xmlns:a16="http://schemas.microsoft.com/office/drawing/2014/main" val="10000"/>
                   </a:ext>
                 </a:extLst>
               </a:tr>
@@ -22314,7 +22358,7 @@
                 </a:tc>
                 <a:extLst>
                   <a:ext uri="{0D108BD9-81ED-4DB2-BD59-A6C34878D82A}">
-                    <a16:rowId xmlns:a16="http://schemas.microsoft.com/office/drawing/2014/main" xmlns="" val="10001"/>
+                    <a16:rowId xmlns="" xmlns:a16="http://schemas.microsoft.com/office/drawing/2014/main" val="10001"/>
                   </a:ext>
                 </a:extLst>
               </a:tr>
@@ -22732,7 +22776,7 @@
                 <a:gridCol w="1126317">
                   <a:extLst>
                     <a:ext uri="{9D8B030D-6E8A-4147-A177-3AD203B41FA5}">
-                      <a16:colId xmlns:a16="http://schemas.microsoft.com/office/drawing/2014/main" xmlns="" val="20000"/>
+                      <a16:colId xmlns="" xmlns:a16="http://schemas.microsoft.com/office/drawing/2014/main" val="20000"/>
                     </a:ext>
                   </a:extLst>
                 </a:gridCol>
@@ -22996,7 +23040,7 @@
                 </a:tc>
                 <a:extLst>
                   <a:ext uri="{0D108BD9-81ED-4DB2-BD59-A6C34878D82A}">
-                    <a16:rowId xmlns:a16="http://schemas.microsoft.com/office/drawing/2014/main" xmlns="" val="10000"/>
+                    <a16:rowId xmlns="" xmlns:a16="http://schemas.microsoft.com/office/drawing/2014/main" val="10000"/>
                   </a:ext>
                 </a:extLst>
               </a:tr>
@@ -23302,7 +23346,7 @@
                 </a:tc>
                 <a:extLst>
                   <a:ext uri="{0D108BD9-81ED-4DB2-BD59-A6C34878D82A}">
-                    <a16:rowId xmlns:a16="http://schemas.microsoft.com/office/drawing/2014/main" xmlns="" val="10001"/>
+                    <a16:rowId xmlns="" xmlns:a16="http://schemas.microsoft.com/office/drawing/2014/main" val="10001"/>
                   </a:ext>
                 </a:extLst>
               </a:tr>
@@ -32469,14 +32513,14 @@
                 <a:gridCol w="2561827">
                   <a:extLst>
                     <a:ext uri="{9D8B030D-6E8A-4147-A177-3AD203B41FA5}">
-                      <a16:colId xmlns:a16="http://schemas.microsoft.com/office/drawing/2014/main" xmlns="" val="20000"/>
+                      <a16:colId xmlns="" xmlns:a16="http://schemas.microsoft.com/office/drawing/2014/main" val="20000"/>
                     </a:ext>
                   </a:extLst>
                 </a:gridCol>
                 <a:gridCol w="4719484">
                   <a:extLst>
                     <a:ext uri="{9D8B030D-6E8A-4147-A177-3AD203B41FA5}">
-                      <a16:colId xmlns:a16="http://schemas.microsoft.com/office/drawing/2014/main" xmlns="" val="20001"/>
+                      <a16:colId xmlns="" xmlns:a16="http://schemas.microsoft.com/office/drawing/2014/main" val="20001"/>
                     </a:ext>
                   </a:extLst>
                 </a:gridCol>
@@ -32913,7 +32957,7 @@
                 </a:tc>
                 <a:extLst>
                   <a:ext uri="{0D108BD9-81ED-4DB2-BD59-A6C34878D82A}">
-                    <a16:rowId xmlns:a16="http://schemas.microsoft.com/office/drawing/2014/main" xmlns="" val="10000"/>
+                    <a16:rowId xmlns="" xmlns:a16="http://schemas.microsoft.com/office/drawing/2014/main" val="10000"/>
                   </a:ext>
                 </a:extLst>
               </a:tr>
@@ -33370,7 +33414,7 @@
                 </a:tc>
                 <a:extLst>
                   <a:ext uri="{0D108BD9-81ED-4DB2-BD59-A6C34878D82A}">
-                    <a16:rowId xmlns:a16="http://schemas.microsoft.com/office/drawing/2014/main" xmlns="" val="10001"/>
+                    <a16:rowId xmlns="" xmlns:a16="http://schemas.microsoft.com/office/drawing/2014/main" val="10001"/>
                   </a:ext>
                 </a:extLst>
               </a:tr>
@@ -37775,7 +37819,7 @@
           <a:lstStyle/>
           <a:p>
             <a:pPr algn="ctr"/>
-            <a:endParaRPr kumimoji="1" lang="zh-CN" altLang="en-US"/>
+            <a:endParaRPr kumimoji="1" lang="zh-CN" altLang="en-US" dirty="0"/>
           </a:p>
         </p:txBody>
       </p:sp>
@@ -37811,14 +37855,14 @@
       </p:pic>
       <p:sp>
         <p:nvSpPr>
-          <p:cNvPr id="2" name="矩形 1"/>
+          <p:cNvPr id="10" name="矩形 9"/>
           <p:cNvSpPr/>
           <p:nvPr/>
         </p:nvSpPr>
         <p:spPr>
           <a:xfrm>
-            <a:off x="409303" y="961080"/>
-            <a:ext cx="10759440" cy="2123658"/>
+            <a:off x="409303" y="828209"/>
+            <a:ext cx="10759440" cy="1785104"/>
           </a:xfrm>
           <a:prstGeom prst="rect">
             <a:avLst/>
@@ -37839,7 +37883,7 @@
                 <a:ea typeface="Yuanti SC" charset="-122"/>
                 <a:cs typeface="Yuanti SC" charset="-122"/>
               </a:rPr>
-              <a:t>2.4.5</a:t>
+              <a:t>2.4.4</a:t>
             </a:r>
             <a:r>
               <a:rPr lang="zh-CN" altLang="en-US" sz="2800" dirty="0" smtClean="0">
@@ -37853,7 +37897,7 @@
               <a:t> </a:t>
             </a:r>
             <a:r>
-              <a:rPr lang="zh-CN" altLang="en-US" sz="2800" dirty="0" smtClean="0">
+              <a:rPr lang="en-US" altLang="zh-CN" sz="2800" dirty="0" smtClean="0">
                 <a:solidFill>
                   <a:schemeClr val="bg1"/>
                 </a:solidFill>
@@ -37861,11 +37905,19 @@
                 <a:ea typeface="Yuanti SC" charset="-122"/>
                 <a:cs typeface="Yuanti SC" charset="-122"/>
               </a:rPr>
-              <a:t>代码补全</a:t>
-            </a:r>
-          </a:p>
-          <a:p>
-            <a:endParaRPr lang="en-US" altLang="zh-CN" sz="1600" dirty="0">
+              <a:t>CAL</a:t>
+            </a:r>
+            <a:endParaRPr lang="zh-CN" altLang="en-US" sz="2800" dirty="0" smtClean="0">
+              <a:solidFill>
+                <a:schemeClr val="bg1"/>
+              </a:solidFill>
+              <a:latin typeface="Yuanti SC" charset="-122"/>
+              <a:ea typeface="Yuanti SC" charset="-122"/>
+              <a:cs typeface="Yuanti SC" charset="-122"/>
+            </a:endParaRPr>
+          </a:p>
+          <a:p>
+            <a:endParaRPr lang="zh-CN" altLang="en-US" dirty="0" smtClean="0">
               <a:solidFill>
                 <a:schemeClr val="bg1"/>
               </a:solidFill>
@@ -37875,7 +37927,76 @@
             </a:endParaRPr>
           </a:p>
           <a:p>
-            <a:endParaRPr lang="zh-CN" altLang="en-US" sz="1600" dirty="0">
+            <a:r>
+              <a:rPr lang="zh-CN" altLang="en-US" dirty="0" smtClean="0">
+                <a:solidFill>
+                  <a:srgbClr val="FFFF00"/>
+                </a:solidFill>
+                <a:latin typeface="Yuanti SC Light" charset="-122"/>
+                <a:ea typeface="Yuanti SC Light" charset="-122"/>
+                <a:cs typeface="Yuanti SC Light" charset="-122"/>
+              </a:rPr>
+              <a:t>分析</a:t>
+            </a:r>
+            <a:endParaRPr lang="en-US" altLang="zh-CN" dirty="0" smtClean="0">
+              <a:solidFill>
+                <a:srgbClr val="FFFF00"/>
+              </a:solidFill>
+              <a:latin typeface="Yuanti SC Light" charset="-122"/>
+              <a:ea typeface="Yuanti SC Light" charset="-122"/>
+              <a:cs typeface="Yuanti SC Light" charset="-122"/>
+            </a:endParaRPr>
+          </a:p>
+          <a:p>
+            <a:pPr marL="285750" indent="-285750">
+              <a:buFont typeface="Arial" charset="0"/>
+              <a:buChar char="•"/>
+            </a:pPr>
+            <a:r>
+              <a:rPr lang="en-US" altLang="zh-CN" sz="1400" dirty="0" smtClean="0">
+                <a:solidFill>
+                  <a:schemeClr val="bg1"/>
+                </a:solidFill>
+                <a:latin typeface="Yuanti SC Light" charset="-122"/>
+                <a:ea typeface="Yuanti SC Light" charset="-122"/>
+                <a:cs typeface="Yuanti SC Light" charset="-122"/>
+              </a:rPr>
+              <a:t>CAL</a:t>
+            </a:r>
+            <a:r>
+              <a:rPr lang="zh-CN" altLang="en-US" sz="1400" dirty="0" smtClean="0">
+                <a:solidFill>
+                  <a:schemeClr val="bg1"/>
+                </a:solidFill>
+                <a:latin typeface="Yuanti SC Light" charset="-122"/>
+                <a:ea typeface="Yuanti SC Light" charset="-122"/>
+                <a:cs typeface="Yuanti SC Light" charset="-122"/>
+              </a:rPr>
+              <a:t>主要用来做的债券、期权、金融衍生品的估值，不支持对股票做估值，从应用角度看，对</a:t>
+            </a:r>
+            <a:r>
+              <a:rPr lang="en-US" altLang="zh-CN" sz="1400" dirty="0" smtClean="0">
+                <a:solidFill>
+                  <a:schemeClr val="bg1"/>
+                </a:solidFill>
+                <a:latin typeface="Yuanti SC Light" charset="-122"/>
+                <a:ea typeface="Yuanti SC Light" charset="-122"/>
+                <a:cs typeface="Yuanti SC Light" charset="-122"/>
+              </a:rPr>
+              <a:t>Stellar</a:t>
+            </a:r>
+            <a:r>
+              <a:rPr lang="zh-CN" altLang="en-US" sz="1400" dirty="0" smtClean="0">
+                <a:solidFill>
+                  <a:schemeClr val="bg1"/>
+                </a:solidFill>
+                <a:latin typeface="Yuanti SC Light" charset="-122"/>
+                <a:ea typeface="Yuanti SC Light" charset="-122"/>
+                <a:cs typeface="Yuanti SC Light" charset="-122"/>
+              </a:rPr>
+              <a:t>意义不大。</a:t>
+            </a:r>
+            <a:endParaRPr lang="en-US" altLang="zh-CN" sz="1400" dirty="0" smtClean="0">
               <a:solidFill>
                 <a:schemeClr val="bg1"/>
               </a:solidFill>
@@ -37885,7 +38006,55 @@
             </a:endParaRPr>
           </a:p>
           <a:p>
-            <a:endParaRPr lang="zh-CN" altLang="en-US" dirty="0">
+            <a:pPr marL="285750" indent="-285750">
+              <a:buFont typeface="Arial" charset="0"/>
+              <a:buChar char="•"/>
+            </a:pPr>
+            <a:r>
+              <a:rPr lang="en-US" altLang="zh-CN" sz="1400" dirty="0" smtClean="0">
+                <a:solidFill>
+                  <a:schemeClr val="bg1"/>
+                </a:solidFill>
+                <a:latin typeface="Yuanti SC Light" charset="-122"/>
+                <a:ea typeface="Yuanti SC Light" charset="-122"/>
+                <a:cs typeface="Yuanti SC Light" charset="-122"/>
+              </a:rPr>
+              <a:t>CAL</a:t>
+            </a:r>
+            <a:r>
+              <a:rPr lang="zh-CN" altLang="en-US" sz="1400" dirty="0" smtClean="0">
+                <a:solidFill>
+                  <a:schemeClr val="bg1"/>
+                </a:solidFill>
+                <a:latin typeface="Yuanti SC Light" charset="-122"/>
+                <a:ea typeface="Yuanti SC Light" charset="-122"/>
+                <a:cs typeface="Yuanti SC Light" charset="-122"/>
+              </a:rPr>
+              <a:t>的实现思路，对</a:t>
+            </a:r>
+            <a:r>
+              <a:rPr lang="en-US" altLang="zh-CN" sz="1400" dirty="0" smtClean="0">
+                <a:solidFill>
+                  <a:schemeClr val="bg1"/>
+                </a:solidFill>
+                <a:latin typeface="Yuanti SC Light" charset="-122"/>
+                <a:ea typeface="Yuanti SC Light" charset="-122"/>
+                <a:cs typeface="Yuanti SC Light" charset="-122"/>
+              </a:rPr>
+              <a:t>Stellar</a:t>
+            </a:r>
+            <a:r>
+              <a:rPr lang="zh-CN" altLang="en-US" sz="1400" dirty="0" smtClean="0">
+                <a:solidFill>
+                  <a:schemeClr val="bg1"/>
+                </a:solidFill>
+                <a:latin typeface="Yuanti SC Light" charset="-122"/>
+                <a:ea typeface="Yuanti SC Light" charset="-122"/>
+                <a:cs typeface="Yuanti SC Light" charset="-122"/>
+              </a:rPr>
+              <a:t>后续的估值分析有借鉴作用。</a:t>
+            </a:r>
+            <a:endParaRPr lang="en-US" altLang="zh-CN" sz="1400" dirty="0" smtClean="0">
               <a:solidFill>
                 <a:schemeClr val="bg1"/>
               </a:solidFill>
@@ -37895,7 +38064,7 @@
             </a:endParaRPr>
           </a:p>
           <a:p>
-            <a:endParaRPr lang="zh-CN" altLang="en-US" dirty="0">
+            <a:endParaRPr lang="en-US" altLang="zh-CN" dirty="0">
               <a:solidFill>
                 <a:schemeClr val="bg1"/>
               </a:solidFill>
@@ -37903,32 +38072,6 @@
               <a:ea typeface="Yuanti SC Light" charset="-122"/>
               <a:cs typeface="Yuanti SC Light" charset="-122"/>
             </a:endParaRPr>
-          </a:p>
-          <a:p>
-            <a:r>
-              <a:rPr lang="zh-CN" altLang="en-US" dirty="0">
-                <a:solidFill>
-                  <a:schemeClr val="bg1"/>
-                </a:solidFill>
-                <a:latin typeface="Yuanti SC Light" charset="-122"/>
-                <a:ea typeface="Yuanti SC Light" charset="-122"/>
-                <a:cs typeface="Yuanti SC Light" charset="-122"/>
-              </a:rPr>
-              <a:t>									</a:t>
-            </a:r>
-          </a:p>
-          <a:p>
-            <a:r>
-              <a:rPr lang="zh-CN" altLang="en-US" dirty="0">
-                <a:solidFill>
-                  <a:schemeClr val="bg1"/>
-                </a:solidFill>
-                <a:latin typeface="Yuanti SC Light" charset="-122"/>
-                <a:ea typeface="Yuanti SC Light" charset="-122"/>
-                <a:cs typeface="Yuanti SC Light" charset="-122"/>
-              </a:rPr>
-              <a:t>									</a:t>
-            </a:r>
           </a:p>
         </p:txBody>
       </p:sp>
@@ -37955,20 +38098,12 @@
           <a:lstStyle/>
           <a:p>
             <a:r>
-              <a:rPr kumimoji="1" lang="en-US" altLang="zh-CN" sz="2400" dirty="0" err="1" smtClean="0">
-                <a:solidFill>
-                  <a:schemeClr val="bg1"/>
-                </a:solidFill>
-              </a:rPr>
-              <a:t>Uqer</a:t>
-            </a:r>
-            <a:r>
               <a:rPr kumimoji="1" lang="en-US" altLang="zh-CN" sz="2400" dirty="0" smtClean="0">
                 <a:solidFill>
                   <a:schemeClr val="bg1"/>
                 </a:solidFill>
               </a:rPr>
-              <a:t> Research</a:t>
+              <a:t>Uqer Research</a:t>
             </a:r>
             <a:endParaRPr kumimoji="1" lang="zh-CN" altLang="en-US" sz="2400" dirty="0">
               <a:solidFill>
@@ -37981,7 +38116,7 @@
     </p:spTree>
     <p:extLst>
       <p:ext uri="{BB962C8B-B14F-4D97-AF65-F5344CB8AC3E}">
-        <p14:creationId xmlns:p14="http://schemas.microsoft.com/office/powerpoint/2010/main" val="774101876"/>
+        <p14:creationId xmlns:p14="http://schemas.microsoft.com/office/powerpoint/2010/main" val="1019997771"/>
       </p:ext>
     </p:extLst>
   </p:cSld>
@@ -38124,96 +38259,44 @@
         </p:nvSpPr>
         <p:spPr>
           <a:xfrm>
-            <a:off x="-2" y="2529000"/>
-            <a:ext cx="12192002" cy="1800000"/>
+            <a:off x="409303" y="961080"/>
+            <a:ext cx="10759440" cy="1600438"/>
           </a:xfrm>
           <a:prstGeom prst="rect">
             <a:avLst/>
           </a:prstGeom>
-          <a:solidFill>
-            <a:srgbClr val="4B89F0">
-              <a:alpha val="34000"/>
-            </a:srgbClr>
-          </a:solidFill>
-          <a:ln>
-            <a:noFill/>
-          </a:ln>
-        </p:spPr>
-        <p:style>
-          <a:lnRef idx="2">
-            <a:schemeClr val="accent1">
-              <a:shade val="50000"/>
-            </a:schemeClr>
-          </a:lnRef>
-          <a:fillRef idx="1">
-            <a:schemeClr val="accent1"/>
-          </a:fillRef>
-          <a:effectRef idx="0">
-            <a:schemeClr val="accent1"/>
-          </a:effectRef>
-          <a:fontRef idx="minor">
-            <a:schemeClr val="lt1"/>
-          </a:fontRef>
-        </p:style>
-        <p:txBody>
-          <a:bodyPr rtlCol="0" anchor="ctr"/>
-          <a:lstStyle/>
-          <a:p>
-            <a:pPr algn="ctr"/>
-            <a:endParaRPr kumimoji="1" lang="zh-CN" altLang="en-US">
-              <a:solidFill>
-                <a:schemeClr val="bg1"/>
-              </a:solidFill>
-            </a:endParaRPr>
-          </a:p>
-        </p:txBody>
-      </p:sp>
-      <p:sp>
-        <p:nvSpPr>
-          <p:cNvPr id="24" name="文本框 23"/>
-          <p:cNvSpPr txBox="1"/>
-          <p:nvPr/>
-        </p:nvSpPr>
-        <p:spPr>
-          <a:xfrm>
-            <a:off x="2640458" y="3075057"/>
-            <a:ext cx="6226140" cy="707886"/>
-          </a:xfrm>
-          <a:prstGeom prst="rect">
-            <a:avLst/>
-          </a:prstGeom>
-          <a:noFill/>
         </p:spPr>
         <p:txBody>
-          <a:bodyPr wrap="square" rtlCol="0">
+          <a:bodyPr wrap="square">
             <a:spAutoFit/>
           </a:bodyPr>
           <a:lstStyle/>
           <a:p>
-            <a:pPr algn="ctr"/>
-            <a:r>
-              <a:rPr kumimoji="1" lang="en-US" altLang="zh-CN" sz="4000" dirty="0" smtClean="0">
-                <a:solidFill>
-                  <a:schemeClr val="bg1"/>
-                </a:solidFill>
-                <a:latin typeface="Yuanti SC Light" charset="-122"/>
-                <a:ea typeface="Yuanti SC Light" charset="-122"/>
-                <a:cs typeface="Yuanti SC Light" charset="-122"/>
-              </a:rPr>
-              <a:t>2.5</a:t>
-            </a:r>
-            <a:r>
-              <a:rPr kumimoji="1" lang="zh-CN" altLang="en-US" sz="4000" dirty="0" smtClean="0">
-                <a:solidFill>
-                  <a:schemeClr val="bg1"/>
-                </a:solidFill>
-                <a:latin typeface="Yuanti SC Light" charset="-122"/>
-                <a:ea typeface="Yuanti SC Light" charset="-122"/>
-                <a:cs typeface="Yuanti SC Light" charset="-122"/>
-              </a:rPr>
-              <a:t> 总结</a:t>
-            </a:r>
-            <a:endParaRPr kumimoji="1" lang="zh-CN" altLang="en-US" sz="4000" dirty="0">
+            <a:r>
+              <a:rPr lang="en-US" altLang="zh-CN" sz="2800" dirty="0" smtClean="0">
+                <a:solidFill>
+                  <a:schemeClr val="bg1"/>
+                </a:solidFill>
+                <a:latin typeface="Yuanti SC" charset="-122"/>
+                <a:ea typeface="Yuanti SC" charset="-122"/>
+                <a:cs typeface="Yuanti SC" charset="-122"/>
+              </a:rPr>
+              <a:t>2.4.5</a:t>
+            </a:r>
+            <a:r>
+              <a:rPr lang="zh-CN" altLang="en-US" sz="2800" dirty="0" smtClean="0">
+                <a:solidFill>
+                  <a:schemeClr val="bg1"/>
+                </a:solidFill>
+                <a:latin typeface="Yuanti SC" charset="-122"/>
+                <a:ea typeface="Yuanti SC" charset="-122"/>
+                <a:cs typeface="Yuanti SC" charset="-122"/>
+              </a:rPr>
+              <a:t> 代码补全</a:t>
+            </a:r>
+          </a:p>
+          <a:p>
+            <a:endParaRPr lang="zh-CN" altLang="en-US" sz="1600" dirty="0">
               <a:solidFill>
                 <a:schemeClr val="bg1"/>
               </a:solidFill>
@@ -38222,11 +38305,103 @@
               <a:cs typeface="Yuanti SC Light" charset="-122"/>
             </a:endParaRPr>
           </a:p>
+          <a:p>
+            <a:r>
+              <a:rPr lang="en-US" altLang="zh-CN" sz="1600" dirty="0" smtClean="0">
+                <a:solidFill>
+                  <a:schemeClr val="bg1"/>
+                </a:solidFill>
+                <a:latin typeface="Yuanti SC Light" charset="-122"/>
+                <a:ea typeface="Yuanti SC Light" charset="-122"/>
+                <a:cs typeface="Yuanti SC Light" charset="-122"/>
+              </a:rPr>
+              <a:t>Uqer</a:t>
+            </a:r>
+            <a:r>
+              <a:rPr lang="zh-CN" altLang="en-US" sz="1600" dirty="0" smtClean="0">
+                <a:solidFill>
+                  <a:schemeClr val="bg1"/>
+                </a:solidFill>
+                <a:latin typeface="Yuanti SC Light" charset="-122"/>
+                <a:ea typeface="Yuanti SC Light" charset="-122"/>
+                <a:cs typeface="Yuanti SC Light" charset="-122"/>
+              </a:rPr>
+              <a:t>对外暴露的实现非常少，不是很直观，参考价值不</a:t>
+            </a:r>
+            <a:r>
+              <a:rPr lang="zh-CN" altLang="en-US" sz="1600" smtClean="0">
+                <a:solidFill>
+                  <a:schemeClr val="bg1"/>
+                </a:solidFill>
+                <a:latin typeface="Yuanti SC Light" charset="-122"/>
+                <a:ea typeface="Yuanti SC Light" charset="-122"/>
+                <a:cs typeface="Yuanti SC Light" charset="-122"/>
+              </a:rPr>
+              <a:t>大，绝大部分</a:t>
+            </a:r>
+            <a:r>
+              <a:rPr lang="zh-CN" altLang="en-US" sz="1600" dirty="0" smtClean="0">
+                <a:solidFill>
+                  <a:schemeClr val="bg1"/>
+                </a:solidFill>
+                <a:latin typeface="Yuanti SC Light" charset="-122"/>
+                <a:ea typeface="Yuanti SC Light" charset="-122"/>
+                <a:cs typeface="Yuanti SC Light" charset="-122"/>
+              </a:rPr>
+              <a:t>内容都已经写在</a:t>
+            </a:r>
+            <a:r>
+              <a:rPr lang="en-US" altLang="zh-CN" sz="1600" dirty="0" smtClean="0">
+                <a:solidFill>
+                  <a:schemeClr val="bg1"/>
+                </a:solidFill>
+                <a:latin typeface="Yuanti SC Light" charset="-122"/>
+                <a:ea typeface="Yuanti SC Light" charset="-122"/>
+                <a:cs typeface="Yuanti SC Light" charset="-122"/>
+              </a:rPr>
+              <a:t>API</a:t>
+            </a:r>
+            <a:r>
+              <a:rPr lang="zh-CN" altLang="en-US" sz="1600" dirty="0" smtClean="0">
+                <a:solidFill>
+                  <a:schemeClr val="bg1"/>
+                </a:solidFill>
+                <a:latin typeface="Yuanti SC Light" charset="-122"/>
+                <a:ea typeface="Yuanti SC Light" charset="-122"/>
+                <a:cs typeface="Yuanti SC Light" charset="-122"/>
+              </a:rPr>
+              <a:t>文档里面了。</a:t>
+            </a:r>
+            <a:r>
+              <a:rPr lang="zh-CN" altLang="en-US" dirty="0">
+                <a:solidFill>
+                  <a:schemeClr val="bg1"/>
+                </a:solidFill>
+                <a:latin typeface="Yuanti SC Light" charset="-122"/>
+                <a:ea typeface="Yuanti SC Light" charset="-122"/>
+                <a:cs typeface="Yuanti SC Light" charset="-122"/>
+              </a:rPr>
+              <a:t>									</a:t>
+            </a:r>
+          </a:p>
+          <a:p>
+            <a:r>
+              <a:rPr lang="zh-CN" altLang="en-US" dirty="0">
+                <a:solidFill>
+                  <a:schemeClr val="bg1"/>
+                </a:solidFill>
+                <a:latin typeface="Yuanti SC Light" charset="-122"/>
+                <a:ea typeface="Yuanti SC Light" charset="-122"/>
+                <a:cs typeface="Yuanti SC Light" charset="-122"/>
+              </a:rPr>
+              <a:t>									</a:t>
+            </a:r>
+          </a:p>
         </p:txBody>
       </p:sp>
       <p:sp>
         <p:nvSpPr>
-          <p:cNvPr id="8" name="文本框 7"/>
+          <p:cNvPr id="6" name="文本框 5"/>
           <p:cNvSpPr txBox="1"/>
           <p:nvPr/>
         </p:nvSpPr>
@@ -38273,7 +38448,7 @@
     </p:spTree>
     <p:extLst>
       <p:ext uri="{BB962C8B-B14F-4D97-AF65-F5344CB8AC3E}">
-        <p14:creationId xmlns:p14="http://schemas.microsoft.com/office/powerpoint/2010/main" val="335358258"/>
+        <p14:creationId xmlns:p14="http://schemas.microsoft.com/office/powerpoint/2010/main" val="774101876"/>
       </p:ext>
     </p:extLst>
   </p:cSld>
@@ -38416,44 +38591,96 @@
         </p:nvSpPr>
         <p:spPr>
           <a:xfrm>
-            <a:off x="409303" y="961080"/>
-            <a:ext cx="10759440" cy="1077218"/>
+            <a:off x="-2" y="2529000"/>
+            <a:ext cx="12192002" cy="1800000"/>
           </a:xfrm>
           <a:prstGeom prst="rect">
             <a:avLst/>
           </a:prstGeom>
+          <a:solidFill>
+            <a:srgbClr val="4B89F0">
+              <a:alpha val="34000"/>
+            </a:srgbClr>
+          </a:solidFill>
+          <a:ln>
+            <a:noFill/>
+          </a:ln>
+        </p:spPr>
+        <p:style>
+          <a:lnRef idx="2">
+            <a:schemeClr val="accent1">
+              <a:shade val="50000"/>
+            </a:schemeClr>
+          </a:lnRef>
+          <a:fillRef idx="1">
+            <a:schemeClr val="accent1"/>
+          </a:fillRef>
+          <a:effectRef idx="0">
+            <a:schemeClr val="accent1"/>
+          </a:effectRef>
+          <a:fontRef idx="minor">
+            <a:schemeClr val="lt1"/>
+          </a:fontRef>
+        </p:style>
+        <p:txBody>
+          <a:bodyPr rtlCol="0" anchor="ctr"/>
+          <a:lstStyle/>
+          <a:p>
+            <a:pPr algn="ctr"/>
+            <a:endParaRPr kumimoji="1" lang="zh-CN" altLang="en-US">
+              <a:solidFill>
+                <a:schemeClr val="bg1"/>
+              </a:solidFill>
+            </a:endParaRPr>
+          </a:p>
+        </p:txBody>
+      </p:sp>
+      <p:sp>
+        <p:nvSpPr>
+          <p:cNvPr id="24" name="文本框 23"/>
+          <p:cNvSpPr txBox="1"/>
+          <p:nvPr/>
+        </p:nvSpPr>
+        <p:spPr>
+          <a:xfrm>
+            <a:off x="2640458" y="3075057"/>
+            <a:ext cx="6226140" cy="707886"/>
+          </a:xfrm>
+          <a:prstGeom prst="rect">
+            <a:avLst/>
+          </a:prstGeom>
+          <a:noFill/>
         </p:spPr>
         <p:txBody>
-          <a:bodyPr wrap="square">
+          <a:bodyPr wrap="square" rtlCol="0">
             <a:spAutoFit/>
           </a:bodyPr>
           <a:lstStyle/>
           <a:p>
-            <a:r>
-              <a:rPr lang="en-US" altLang="zh-CN" sz="2800" dirty="0" smtClean="0">
-                <a:solidFill>
-                  <a:schemeClr val="bg1"/>
-                </a:solidFill>
-                <a:latin typeface="Yuanti SC" charset="-122"/>
-                <a:ea typeface="Yuanti SC" charset="-122"/>
-                <a:cs typeface="Yuanti SC" charset="-122"/>
-              </a:rPr>
-              <a:t>2.5.1</a:t>
-            </a:r>
-            <a:r>
-              <a:rPr lang="zh-CN" altLang="en-US" sz="2800" dirty="0" smtClean="0">
-                <a:solidFill>
-                  <a:schemeClr val="bg1"/>
-                </a:solidFill>
-                <a:latin typeface="Yuanti SC" charset="-122"/>
-                <a:ea typeface="Yuanti SC" charset="-122"/>
-                <a:cs typeface="Yuanti SC" charset="-122"/>
+            <a:pPr algn="ctr"/>
+            <a:r>
+              <a:rPr kumimoji="1" lang="en-US" altLang="zh-CN" sz="4000" dirty="0" smtClean="0">
+                <a:solidFill>
+                  <a:schemeClr val="bg1"/>
+                </a:solidFill>
+                <a:latin typeface="Yuanti SC Light" charset="-122"/>
+                <a:ea typeface="Yuanti SC Light" charset="-122"/>
+                <a:cs typeface="Yuanti SC Light" charset="-122"/>
+              </a:rPr>
+              <a:t>2.5</a:t>
+            </a:r>
+            <a:r>
+              <a:rPr kumimoji="1" lang="zh-CN" altLang="en-US" sz="4000" dirty="0" smtClean="0">
+                <a:solidFill>
+                  <a:schemeClr val="bg1"/>
+                </a:solidFill>
+                <a:latin typeface="Yuanti SC Light" charset="-122"/>
+                <a:ea typeface="Yuanti SC Light" charset="-122"/>
+                <a:cs typeface="Yuanti SC Light" charset="-122"/>
               </a:rPr>
               <a:t> 总结</a:t>
             </a:r>
-          </a:p>
-          <a:p>
-            <a:endParaRPr lang="zh-CN" altLang="en-US" dirty="0" smtClean="0">
+            <a:endParaRPr kumimoji="1" lang="zh-CN" altLang="en-US" sz="4000" dirty="0">
               <a:solidFill>
                 <a:schemeClr val="bg1"/>
               </a:solidFill>
@@ -38462,21 +38689,192 @@
               <a:cs typeface="Yuanti SC Light" charset="-122"/>
             </a:endParaRPr>
           </a:p>
-          <a:p>
-            <a:r>
-              <a:rPr lang="zh-CN" altLang="en-US" dirty="0">
-                <a:solidFill>
-                  <a:schemeClr val="bg1"/>
-                </a:solidFill>
-                <a:latin typeface="Yuanti SC Light" charset="-122"/>
-                <a:ea typeface="Yuanti SC Light" charset="-122"/>
-                <a:cs typeface="Yuanti SC Light" charset="-122"/>
-              </a:rPr>
-              <a:t>						</a:t>
-            </a:r>
-          </a:p>
         </p:txBody>
       </p:sp>
+      <p:sp>
+        <p:nvSpPr>
+          <p:cNvPr id="8" name="文本框 7"/>
+          <p:cNvSpPr txBox="1"/>
+          <p:nvPr/>
+        </p:nvSpPr>
+        <p:spPr>
+          <a:xfrm>
+            <a:off x="134471" y="199793"/>
+            <a:ext cx="4605617" cy="461665"/>
+          </a:xfrm>
+          <a:prstGeom prst="rect">
+            <a:avLst/>
+          </a:prstGeom>
+          <a:noFill/>
+        </p:spPr>
+        <p:txBody>
+          <a:bodyPr wrap="square" rtlCol="0">
+            <a:spAutoFit/>
+          </a:bodyPr>
+          <a:lstStyle/>
+          <a:p>
+            <a:r>
+              <a:rPr kumimoji="1" lang="en-US" altLang="zh-CN" sz="2400" dirty="0" err="1" smtClean="0">
+                <a:solidFill>
+                  <a:schemeClr val="bg1"/>
+                </a:solidFill>
+              </a:rPr>
+              <a:t>Uqer</a:t>
+            </a:r>
+            <a:r>
+              <a:rPr kumimoji="1" lang="en-US" altLang="zh-CN" sz="2400" dirty="0" smtClean="0">
+                <a:solidFill>
+                  <a:schemeClr val="bg1"/>
+                </a:solidFill>
+              </a:rPr>
+              <a:t> Research</a:t>
+            </a:r>
+            <a:endParaRPr kumimoji="1" lang="zh-CN" altLang="en-US" sz="2400" dirty="0">
+              <a:solidFill>
+                <a:schemeClr val="bg1"/>
+              </a:solidFill>
+            </a:endParaRPr>
+          </a:p>
+        </p:txBody>
+      </p:sp>
+    </p:spTree>
+    <p:extLst>
+      <p:ext uri="{BB962C8B-B14F-4D97-AF65-F5344CB8AC3E}">
+        <p14:creationId xmlns:p14="http://schemas.microsoft.com/office/powerpoint/2010/main" val="335358258"/>
+      </p:ext>
+    </p:extLst>
+  </p:cSld>
+  <p:clrMapOvr>
+    <a:masterClrMapping/>
+  </p:clrMapOvr>
+  <p:timing>
+    <p:tnLst>
+      <p:par>
+        <p:cTn id="1" dur="indefinite" restart="never" nodeType="tmRoot"/>
+      </p:par>
+    </p:tnLst>
+  </p:timing>
+</p:sld>
+</file>
+
+<file path=ppt/slides/slide37.xml><?xml version="1.0" encoding="utf-8"?>
+<p:sld xmlns:a="http://schemas.openxmlformats.org/drawingml/2006/main" xmlns:r="http://schemas.openxmlformats.org/officeDocument/2006/relationships" xmlns:p="http://schemas.openxmlformats.org/presentationml/2006/main">
+  <p:cSld>
+    <p:spTree>
+      <p:nvGrpSpPr>
+        <p:cNvPr id="1" name=""/>
+        <p:cNvGrpSpPr/>
+        <p:nvPr/>
+      </p:nvGrpSpPr>
+      <p:grpSpPr>
+        <a:xfrm>
+          <a:off x="0" y="0"/>
+          <a:ext cx="0" cy="0"/>
+          <a:chOff x="0" y="0"/>
+          <a:chExt cx="0" cy="0"/>
+        </a:xfrm>
+      </p:grpSpPr>
+      <p:sp>
+        <p:nvSpPr>
+          <p:cNvPr id="4" name="矩形 3"/>
+          <p:cNvSpPr/>
+          <p:nvPr/>
+        </p:nvSpPr>
+        <p:spPr>
+          <a:xfrm>
+            <a:off x="0" y="0"/>
+            <a:ext cx="12192000" cy="6858000"/>
+          </a:xfrm>
+          <a:prstGeom prst="rect">
+            <a:avLst/>
+          </a:prstGeom>
+          <a:gradFill flip="none" rotWithShape="1">
+            <a:gsLst>
+              <a:gs pos="0">
+                <a:schemeClr val="accent5">
+                  <a:lumMod val="89000"/>
+                </a:schemeClr>
+              </a:gs>
+              <a:gs pos="23000">
+                <a:schemeClr val="accent5">
+                  <a:lumMod val="89000"/>
+                </a:schemeClr>
+              </a:gs>
+              <a:gs pos="69000">
+                <a:schemeClr val="accent5">
+                  <a:lumMod val="75000"/>
+                </a:schemeClr>
+              </a:gs>
+              <a:gs pos="97000">
+                <a:schemeClr val="accent5">
+                  <a:lumMod val="70000"/>
+                </a:schemeClr>
+              </a:gs>
+            </a:gsLst>
+            <a:path path="circle">
+              <a:fillToRect l="50000" t="50000" r="50000" b="50000"/>
+            </a:path>
+            <a:tileRect/>
+          </a:gradFill>
+          <a:ln>
+            <a:noFill/>
+          </a:ln>
+        </p:spPr>
+        <p:style>
+          <a:lnRef idx="2">
+            <a:schemeClr val="accent1">
+              <a:shade val="50000"/>
+            </a:schemeClr>
+          </a:lnRef>
+          <a:fillRef idx="1">
+            <a:schemeClr val="accent1"/>
+          </a:fillRef>
+          <a:effectRef idx="0">
+            <a:schemeClr val="accent1"/>
+          </a:effectRef>
+          <a:fontRef idx="minor">
+            <a:schemeClr val="lt1"/>
+          </a:fontRef>
+        </p:style>
+        <p:txBody>
+          <a:bodyPr rtlCol="0" anchor="ctr"/>
+          <a:lstStyle/>
+          <a:p>
+            <a:pPr algn="ctr"/>
+            <a:endParaRPr kumimoji="1" lang="zh-CN" altLang="en-US"/>
+          </a:p>
+        </p:txBody>
+      </p:sp>
+      <p:pic>
+        <p:nvPicPr>
+          <p:cNvPr id="5" name="图片 4"/>
+          <p:cNvPicPr>
+            <a:picLocks noChangeAspect="1"/>
+          </p:cNvPicPr>
+          <p:nvPr/>
+        </p:nvPicPr>
+        <p:blipFill>
+          <a:blip r:embed="rId3">
+            <a:extLst>
+              <a:ext uri="{28A0092B-C50C-407E-A947-70E740481C1C}">
+                <a14:useLocalDpi xmlns:a14="http://schemas.microsoft.com/office/drawing/2010/main" val="0"/>
+              </a:ext>
+            </a:extLst>
+          </a:blip>
+          <a:stretch>
+            <a:fillRect/>
+          </a:stretch>
+        </p:blipFill>
+        <p:spPr>
+          <a:xfrm>
+            <a:off x="10986247" y="0"/>
+            <a:ext cx="1205753" cy="861252"/>
+          </a:xfrm>
+          <a:prstGeom prst="rect">
+            <a:avLst/>
+          </a:prstGeom>
+        </p:spPr>
+      </p:pic>
       <p:sp>
         <p:nvSpPr>
           <p:cNvPr id="6" name="文本框 5"/>
@@ -38523,6 +38921,632 @@
           </a:p>
         </p:txBody>
       </p:sp>
+      <p:sp>
+        <p:nvSpPr>
+          <p:cNvPr id="7" name="矩形 6"/>
+          <p:cNvSpPr/>
+          <p:nvPr/>
+        </p:nvSpPr>
+        <p:spPr>
+          <a:xfrm>
+            <a:off x="409303" y="961080"/>
+            <a:ext cx="10759440" cy="3539430"/>
+          </a:xfrm>
+          <a:prstGeom prst="rect">
+            <a:avLst/>
+          </a:prstGeom>
+        </p:spPr>
+        <p:txBody>
+          <a:bodyPr wrap="square">
+            <a:spAutoFit/>
+          </a:bodyPr>
+          <a:lstStyle/>
+          <a:p>
+            <a:r>
+              <a:rPr lang="en-US" altLang="zh-CN" sz="2800" dirty="0" smtClean="0">
+                <a:solidFill>
+                  <a:schemeClr val="bg1"/>
+                </a:solidFill>
+                <a:latin typeface="Yuanti SC" charset="-122"/>
+                <a:ea typeface="Yuanti SC" charset="-122"/>
+                <a:cs typeface="Yuanti SC" charset="-122"/>
+              </a:rPr>
+              <a:t>2.5.1</a:t>
+            </a:r>
+            <a:r>
+              <a:rPr lang="zh-CN" altLang="en-US" sz="2800" dirty="0" smtClean="0">
+                <a:solidFill>
+                  <a:schemeClr val="bg1"/>
+                </a:solidFill>
+                <a:latin typeface="Yuanti SC" charset="-122"/>
+                <a:ea typeface="Yuanti SC" charset="-122"/>
+                <a:cs typeface="Yuanti SC" charset="-122"/>
+              </a:rPr>
+              <a:t> 总结</a:t>
+            </a:r>
+            <a:endParaRPr lang="zh-CN" altLang="en-US" sz="2800" dirty="0" smtClean="0">
+              <a:solidFill>
+                <a:schemeClr val="bg1"/>
+              </a:solidFill>
+              <a:latin typeface="Yuanti SC" charset="-122"/>
+              <a:ea typeface="Yuanti SC" charset="-122"/>
+              <a:cs typeface="Yuanti SC" charset="-122"/>
+            </a:endParaRPr>
+          </a:p>
+          <a:p>
+            <a:endParaRPr lang="en-US" altLang="zh-CN" sz="1600" dirty="0" smtClean="0">
+              <a:solidFill>
+                <a:schemeClr val="bg1"/>
+              </a:solidFill>
+              <a:latin typeface="Yuanti SC Light" charset="-122"/>
+              <a:ea typeface="Yuanti SC Light" charset="-122"/>
+              <a:cs typeface="Yuanti SC Light" charset="-122"/>
+            </a:endParaRPr>
+          </a:p>
+          <a:p>
+            <a:r>
+              <a:rPr lang="zh-CN" altLang="en-US" sz="1600" dirty="0" smtClean="0">
+                <a:solidFill>
+                  <a:schemeClr val="bg1"/>
+                </a:solidFill>
+                <a:latin typeface="Yuanti SC Light" charset="-122"/>
+                <a:ea typeface="Yuanti SC Light" charset="-122"/>
+                <a:cs typeface="Yuanti SC Light" charset="-122"/>
+              </a:rPr>
+              <a:t>主要的客户侧代码实现在下面两个方法中：</a:t>
+            </a:r>
+            <a:endParaRPr lang="en-US" altLang="zh-CN" sz="1600" dirty="0" smtClean="0">
+              <a:solidFill>
+                <a:schemeClr val="bg1"/>
+              </a:solidFill>
+              <a:latin typeface="Yuanti SC Light" charset="-122"/>
+              <a:ea typeface="Yuanti SC Light" charset="-122"/>
+              <a:cs typeface="Yuanti SC Light" charset="-122"/>
+            </a:endParaRPr>
+          </a:p>
+          <a:p>
+            <a:pPr marL="285750" indent="-285750">
+              <a:buFont typeface="Arial" charset="0"/>
+              <a:buChar char="•"/>
+            </a:pPr>
+            <a:r>
+              <a:rPr lang="en-US" altLang="zh-CN" sz="1600" dirty="0" err="1" smtClean="0">
+                <a:solidFill>
+                  <a:schemeClr val="bg1"/>
+                </a:solidFill>
+                <a:latin typeface="Yuanti SC Light" charset="-122"/>
+                <a:ea typeface="Yuanti SC Light" charset="-122"/>
+                <a:cs typeface="Yuanti SC Light" charset="-122"/>
+              </a:rPr>
+              <a:t>def</a:t>
+            </a:r>
+            <a:r>
+              <a:rPr lang="en-US" altLang="zh-CN" sz="1600" dirty="0" smtClean="0">
+                <a:solidFill>
+                  <a:schemeClr val="bg1"/>
+                </a:solidFill>
+                <a:latin typeface="Yuanti SC Light" charset="-122"/>
+                <a:ea typeface="Yuanti SC Light" charset="-122"/>
+                <a:cs typeface="Yuanti SC Light" charset="-122"/>
+              </a:rPr>
+              <a:t> </a:t>
+            </a:r>
+            <a:r>
+              <a:rPr lang="en-US" altLang="zh-CN" sz="1600" dirty="0">
+                <a:solidFill>
+                  <a:srgbClr val="FFFF00"/>
+                </a:solidFill>
+                <a:latin typeface="Yuanti SC Light" charset="-122"/>
+                <a:ea typeface="Yuanti SC Light" charset="-122"/>
+                <a:cs typeface="Yuanti SC Light" charset="-122"/>
+              </a:rPr>
+              <a:t>initialize</a:t>
+            </a:r>
+            <a:r>
+              <a:rPr lang="en-US" altLang="zh-CN" sz="1600" dirty="0">
+                <a:solidFill>
+                  <a:schemeClr val="bg1"/>
+                </a:solidFill>
+                <a:latin typeface="Yuanti SC Light" charset="-122"/>
+                <a:ea typeface="Yuanti SC Light" charset="-122"/>
+                <a:cs typeface="Yuanti SC Light" charset="-122"/>
+              </a:rPr>
+              <a:t>(account</a:t>
+            </a:r>
+            <a:r>
+              <a:rPr lang="en-US" altLang="zh-CN" sz="1600" dirty="0" smtClean="0">
+                <a:solidFill>
+                  <a:schemeClr val="bg1"/>
+                </a:solidFill>
+                <a:latin typeface="Yuanti SC Light" charset="-122"/>
+                <a:ea typeface="Yuanti SC Light" charset="-122"/>
+                <a:cs typeface="Yuanti SC Light" charset="-122"/>
+              </a:rPr>
+              <a:t>)</a:t>
+            </a:r>
+            <a:r>
+              <a:rPr lang="zh-CN" altLang="en-US" sz="1600" dirty="0" smtClean="0">
+                <a:solidFill>
+                  <a:schemeClr val="bg1"/>
+                </a:solidFill>
+                <a:latin typeface="Yuanti SC Light" charset="-122"/>
+                <a:ea typeface="Yuanti SC Light" charset="-122"/>
+                <a:cs typeface="Yuanti SC Light" charset="-122"/>
+              </a:rPr>
+              <a:t>，初始化</a:t>
+            </a:r>
+            <a:endParaRPr lang="en-US" altLang="zh-CN" sz="1600" dirty="0" smtClean="0">
+              <a:solidFill>
+                <a:schemeClr val="bg1"/>
+              </a:solidFill>
+              <a:latin typeface="Yuanti SC Light" charset="-122"/>
+              <a:ea typeface="Yuanti SC Light" charset="-122"/>
+              <a:cs typeface="Yuanti SC Light" charset="-122"/>
+            </a:endParaRPr>
+          </a:p>
+          <a:p>
+            <a:pPr marL="285750" indent="-285750">
+              <a:buFont typeface="Arial" charset="0"/>
+              <a:buChar char="•"/>
+            </a:pPr>
+            <a:r>
+              <a:rPr lang="en-US" altLang="zh-CN" sz="1600" dirty="0" err="1">
+                <a:solidFill>
+                  <a:schemeClr val="bg1"/>
+                </a:solidFill>
+                <a:latin typeface="Yuanti SC Light" charset="-122"/>
+                <a:ea typeface="Yuanti SC Light" charset="-122"/>
+                <a:cs typeface="Yuanti SC Light" charset="-122"/>
+              </a:rPr>
+              <a:t>def</a:t>
+            </a:r>
+            <a:r>
+              <a:rPr lang="en-US" altLang="zh-CN" sz="1600" dirty="0">
+                <a:solidFill>
+                  <a:schemeClr val="bg1"/>
+                </a:solidFill>
+                <a:latin typeface="Yuanti SC Light" charset="-122"/>
+                <a:ea typeface="Yuanti SC Light" charset="-122"/>
+                <a:cs typeface="Yuanti SC Light" charset="-122"/>
+              </a:rPr>
+              <a:t> </a:t>
+            </a:r>
+            <a:r>
+              <a:rPr lang="en-US" altLang="zh-CN" sz="1600" dirty="0" err="1">
+                <a:solidFill>
+                  <a:srgbClr val="FFFF00"/>
+                </a:solidFill>
+                <a:latin typeface="Yuanti SC Light" charset="-122"/>
+                <a:ea typeface="Yuanti SC Light" charset="-122"/>
+                <a:cs typeface="Yuanti SC Light" charset="-122"/>
+              </a:rPr>
+              <a:t>handle_data</a:t>
+            </a:r>
+            <a:r>
+              <a:rPr lang="en-US" altLang="zh-CN" sz="1600" dirty="0">
+                <a:solidFill>
+                  <a:schemeClr val="bg1"/>
+                </a:solidFill>
+                <a:latin typeface="Yuanti SC Light" charset="-122"/>
+                <a:ea typeface="Yuanti SC Light" charset="-122"/>
+                <a:cs typeface="Yuanti SC Light" charset="-122"/>
+              </a:rPr>
+              <a:t>(account</a:t>
+            </a:r>
+            <a:r>
+              <a:rPr lang="en-US" altLang="zh-CN" sz="1600" dirty="0" smtClean="0">
+                <a:solidFill>
+                  <a:schemeClr val="bg1"/>
+                </a:solidFill>
+                <a:latin typeface="Yuanti SC Light" charset="-122"/>
+                <a:ea typeface="Yuanti SC Light" charset="-122"/>
+                <a:cs typeface="Yuanti SC Light" charset="-122"/>
+              </a:rPr>
+              <a:t>)</a:t>
+            </a:r>
+            <a:r>
+              <a:rPr lang="zh-CN" altLang="en-US" sz="1600" dirty="0" smtClean="0">
+                <a:solidFill>
+                  <a:schemeClr val="bg1"/>
+                </a:solidFill>
+                <a:latin typeface="Yuanti SC Light" charset="-122"/>
+                <a:ea typeface="Yuanti SC Light" charset="-122"/>
+                <a:cs typeface="Yuanti SC Light" charset="-122"/>
+              </a:rPr>
+              <a:t>，策略执行逻辑</a:t>
+            </a:r>
+            <a:endParaRPr lang="en-US" altLang="zh-CN" sz="1600" dirty="0" smtClean="0">
+              <a:solidFill>
+                <a:schemeClr val="bg1"/>
+              </a:solidFill>
+              <a:latin typeface="Yuanti SC Light" charset="-122"/>
+              <a:ea typeface="Yuanti SC Light" charset="-122"/>
+              <a:cs typeface="Yuanti SC Light" charset="-122"/>
+            </a:endParaRPr>
+          </a:p>
+          <a:p>
+            <a:endParaRPr lang="en-US" altLang="zh-CN" sz="1600" dirty="0">
+              <a:solidFill>
+                <a:schemeClr val="bg1"/>
+              </a:solidFill>
+              <a:latin typeface="Yuanti SC Light" charset="-122"/>
+              <a:ea typeface="Yuanti SC Light" charset="-122"/>
+              <a:cs typeface="Yuanti SC Light" charset="-122"/>
+            </a:endParaRPr>
+          </a:p>
+          <a:p>
+            <a:r>
+              <a:rPr lang="zh-CN" altLang="en-US" sz="1600" dirty="0" smtClean="0">
+                <a:solidFill>
+                  <a:schemeClr val="bg1"/>
+                </a:solidFill>
+                <a:latin typeface="Yuanti SC Light" charset="-122"/>
+                <a:ea typeface="Yuanti SC Light" charset="-122"/>
+                <a:cs typeface="Yuanti SC Light" charset="-122"/>
+              </a:rPr>
+              <a:t>对外暴露的实现非常少，不是很直观，大致分工如下：</a:t>
+            </a:r>
+            <a:endParaRPr lang="en-US" altLang="zh-CN" sz="1600" dirty="0" smtClean="0">
+              <a:solidFill>
+                <a:schemeClr val="bg1"/>
+              </a:solidFill>
+              <a:latin typeface="Yuanti SC Light" charset="-122"/>
+              <a:ea typeface="Yuanti SC Light" charset="-122"/>
+              <a:cs typeface="Yuanti SC Light" charset="-122"/>
+            </a:endParaRPr>
+          </a:p>
+          <a:p>
+            <a:pPr marL="285750" indent="-285750">
+              <a:buFont typeface="Arial" charset="0"/>
+              <a:buChar char="•"/>
+            </a:pPr>
+            <a:r>
+              <a:rPr lang="zh-CN" altLang="en-US" sz="1600" dirty="0" smtClean="0">
+                <a:solidFill>
+                  <a:schemeClr val="bg1"/>
+                </a:solidFill>
+                <a:latin typeface="Yuanti SC Light" charset="-122"/>
+                <a:ea typeface="Yuanti SC Light" charset="-122"/>
+                <a:cs typeface="Yuanti SC Light" charset="-122"/>
+              </a:rPr>
+              <a:t>数据获取必须通过</a:t>
+            </a:r>
+            <a:r>
+              <a:rPr lang="en-US" altLang="zh-CN" sz="1600" dirty="0" err="1" smtClean="0">
+                <a:solidFill>
+                  <a:srgbClr val="FFFF00"/>
+                </a:solidFill>
+                <a:latin typeface="Yuanti SC Light" charset="-122"/>
+                <a:ea typeface="Yuanti SC Light" charset="-122"/>
+                <a:cs typeface="Yuanti SC Light" charset="-122"/>
+              </a:rPr>
+              <a:t>DataAPI</a:t>
+            </a:r>
+            <a:r>
+              <a:rPr lang="zh-CN" altLang="en-US" sz="1600" dirty="0" smtClean="0">
+                <a:solidFill>
+                  <a:schemeClr val="bg1"/>
+                </a:solidFill>
+                <a:latin typeface="Yuanti SC Light" charset="-122"/>
+                <a:ea typeface="Yuanti SC Light" charset="-122"/>
+                <a:cs typeface="Yuanti SC Light" charset="-122"/>
+              </a:rPr>
+              <a:t>的子方法做。</a:t>
+            </a:r>
+            <a:endParaRPr lang="en-US" altLang="zh-CN" sz="1600" dirty="0" smtClean="0">
+              <a:solidFill>
+                <a:schemeClr val="bg1"/>
+              </a:solidFill>
+              <a:latin typeface="Yuanti SC Light" charset="-122"/>
+              <a:ea typeface="Yuanti SC Light" charset="-122"/>
+              <a:cs typeface="Yuanti SC Light" charset="-122"/>
+            </a:endParaRPr>
+          </a:p>
+          <a:p>
+            <a:pPr marL="285750" indent="-285750">
+              <a:buFont typeface="Arial" charset="0"/>
+              <a:buChar char="•"/>
+            </a:pPr>
+            <a:r>
+              <a:rPr lang="zh-CN" altLang="en-US" sz="1600" dirty="0" smtClean="0">
+                <a:solidFill>
+                  <a:schemeClr val="bg1"/>
+                </a:solidFill>
+                <a:latin typeface="Yuanti SC Light" charset="-122"/>
+                <a:ea typeface="Yuanti SC Light" charset="-122"/>
+                <a:cs typeface="Yuanti SC Light" charset="-122"/>
+              </a:rPr>
+              <a:t>交易通过</a:t>
+            </a:r>
+            <a:r>
+              <a:rPr lang="en-US" altLang="zh-CN" sz="1600" dirty="0" smtClean="0">
+                <a:solidFill>
+                  <a:srgbClr val="FFFF00"/>
+                </a:solidFill>
+                <a:latin typeface="Yuanti SC Light" charset="-122"/>
+                <a:ea typeface="Yuanti SC Light" charset="-122"/>
+                <a:cs typeface="Yuanti SC Light" charset="-122"/>
+              </a:rPr>
+              <a:t>order</a:t>
+            </a:r>
+            <a:r>
+              <a:rPr lang="zh-CN" altLang="en-US" sz="1600" dirty="0" smtClean="0">
+                <a:solidFill>
+                  <a:schemeClr val="bg1"/>
+                </a:solidFill>
+                <a:latin typeface="Yuanti SC Light" charset="-122"/>
+                <a:ea typeface="Yuanti SC Light" charset="-122"/>
+                <a:cs typeface="Yuanti SC Light" charset="-122"/>
+              </a:rPr>
+              <a:t>系列方法做。</a:t>
+            </a:r>
+            <a:endParaRPr lang="en-US" altLang="zh-CN" sz="1600" dirty="0" smtClean="0">
+              <a:solidFill>
+                <a:schemeClr val="bg1"/>
+              </a:solidFill>
+              <a:latin typeface="Yuanti SC Light" charset="-122"/>
+              <a:ea typeface="Yuanti SC Light" charset="-122"/>
+              <a:cs typeface="Yuanti SC Light" charset="-122"/>
+            </a:endParaRPr>
+          </a:p>
+          <a:p>
+            <a:pPr marL="285750" indent="-285750">
+              <a:buFont typeface="Arial" charset="0"/>
+              <a:buChar char="•"/>
+            </a:pPr>
+            <a:r>
+              <a:rPr lang="zh-CN" altLang="en-US" sz="1600" dirty="0" smtClean="0">
+                <a:solidFill>
+                  <a:schemeClr val="bg1"/>
+                </a:solidFill>
+                <a:latin typeface="Yuanti SC Light" charset="-122"/>
+                <a:ea typeface="Yuanti SC Light" charset="-122"/>
+                <a:cs typeface="Yuanti SC Light" charset="-122"/>
+              </a:rPr>
+              <a:t>持仓相关属性通过</a:t>
+            </a:r>
+            <a:r>
+              <a:rPr lang="en-US" altLang="zh-CN" sz="1600" dirty="0" smtClean="0">
+                <a:solidFill>
+                  <a:srgbClr val="FFFF00"/>
+                </a:solidFill>
+                <a:latin typeface="Yuanti SC Light" charset="-122"/>
+                <a:ea typeface="Yuanti SC Light" charset="-122"/>
+                <a:cs typeface="Yuanti SC Light" charset="-122"/>
+              </a:rPr>
+              <a:t>account</a:t>
+            </a:r>
+            <a:r>
+              <a:rPr lang="zh-CN" altLang="en-US" sz="1600" dirty="0" smtClean="0">
+                <a:solidFill>
+                  <a:schemeClr val="bg1"/>
+                </a:solidFill>
+                <a:latin typeface="Yuanti SC Light" charset="-122"/>
+                <a:ea typeface="Yuanti SC Light" charset="-122"/>
+                <a:cs typeface="Yuanti SC Light" charset="-122"/>
+              </a:rPr>
+              <a:t>对象处理。</a:t>
+            </a:r>
+            <a:endParaRPr lang="en-US" altLang="zh-CN" sz="1600" dirty="0" smtClean="0">
+              <a:solidFill>
+                <a:schemeClr val="bg1"/>
+              </a:solidFill>
+              <a:latin typeface="Yuanti SC Light" charset="-122"/>
+              <a:ea typeface="Yuanti SC Light" charset="-122"/>
+              <a:cs typeface="Yuanti SC Light" charset="-122"/>
+            </a:endParaRPr>
+          </a:p>
+          <a:p>
+            <a:pPr marL="285750" indent="-285750">
+              <a:buFont typeface="Arial" charset="0"/>
+              <a:buChar char="•"/>
+            </a:pPr>
+            <a:r>
+              <a:rPr lang="zh-CN" altLang="en-US" sz="1600" dirty="0" smtClean="0">
+                <a:solidFill>
+                  <a:schemeClr val="bg1"/>
+                </a:solidFill>
+                <a:latin typeface="Yuanti SC Light" charset="-122"/>
+                <a:ea typeface="Yuanti SC Light" charset="-122"/>
+                <a:cs typeface="Yuanti SC Light" charset="-122"/>
+              </a:rPr>
+              <a:t>动态股票池通过</a:t>
+            </a:r>
+            <a:r>
+              <a:rPr lang="en-US" altLang="zh-CN" sz="1600" dirty="0" err="1" smtClean="0">
+                <a:solidFill>
+                  <a:srgbClr val="FFFF00"/>
+                </a:solidFill>
+                <a:latin typeface="Yuanti SC Light" charset="-122"/>
+                <a:ea typeface="Yuanti SC Light" charset="-122"/>
+                <a:cs typeface="Yuanti SC Light" charset="-122"/>
+              </a:rPr>
+              <a:t>DynamicUniverse</a:t>
+            </a:r>
+            <a:r>
+              <a:rPr lang="zh-CN" altLang="en-US" sz="1600" dirty="0" smtClean="0">
+                <a:solidFill>
+                  <a:schemeClr val="bg1"/>
+                </a:solidFill>
+                <a:latin typeface="Yuanti SC Light" charset="-122"/>
+                <a:ea typeface="Yuanti SC Light" charset="-122"/>
+                <a:cs typeface="Yuanti SC Light" charset="-122"/>
+              </a:rPr>
+              <a:t>的</a:t>
+            </a:r>
+            <a:r>
+              <a:rPr lang="en-US" altLang="zh-CN" sz="1600" dirty="0" err="1" smtClean="0">
+                <a:solidFill>
+                  <a:srgbClr val="FFFF00"/>
+                </a:solidFill>
+                <a:latin typeface="Yuanti SC Light" charset="-122"/>
+                <a:ea typeface="Yuanti SC Light" charset="-122"/>
+                <a:cs typeface="Yuanti SC Light" charset="-122"/>
+              </a:rPr>
+              <a:t>apply_filter</a:t>
+            </a:r>
+            <a:r>
+              <a:rPr lang="zh-CN" altLang="en-US" sz="1600" dirty="0" smtClean="0">
+                <a:solidFill>
+                  <a:schemeClr val="bg1"/>
+                </a:solidFill>
+                <a:latin typeface="Yuanti SC Light" charset="-122"/>
+                <a:ea typeface="Yuanti SC Light" charset="-122"/>
+                <a:cs typeface="Yuanti SC Light" charset="-122"/>
+              </a:rPr>
+              <a:t>方法做，过滤条件通过</a:t>
+            </a:r>
+            <a:r>
+              <a:rPr lang="en-US" altLang="zh-CN" sz="1600" dirty="0" smtClean="0">
+                <a:solidFill>
+                  <a:srgbClr val="FFFF00"/>
+                </a:solidFill>
+                <a:latin typeface="Yuanti SC Light" charset="-122"/>
+                <a:ea typeface="Yuanti SC Light" charset="-122"/>
+                <a:cs typeface="Yuanti SC Light" charset="-122"/>
+              </a:rPr>
+              <a:t>Factor</a:t>
+            </a:r>
+            <a:r>
+              <a:rPr lang="zh-CN" altLang="en-US" sz="1600" dirty="0" smtClean="0">
+                <a:solidFill>
+                  <a:schemeClr val="bg1"/>
+                </a:solidFill>
+                <a:latin typeface="Yuanti SC Light" charset="-122"/>
+                <a:ea typeface="Yuanti SC Light" charset="-122"/>
+                <a:cs typeface="Yuanti SC Light" charset="-122"/>
+              </a:rPr>
+              <a:t>的属性来构造。</a:t>
+            </a:r>
+            <a:endParaRPr lang="en-US" altLang="zh-CN" sz="1600" dirty="0" smtClean="0">
+              <a:solidFill>
+                <a:schemeClr val="bg1"/>
+              </a:solidFill>
+              <a:latin typeface="Yuanti SC Light" charset="-122"/>
+              <a:ea typeface="Yuanti SC Light" charset="-122"/>
+              <a:cs typeface="Yuanti SC Light" charset="-122"/>
+            </a:endParaRPr>
+          </a:p>
+          <a:p>
+            <a:pPr marL="285750" indent="-285750">
+              <a:buFont typeface="Arial" charset="0"/>
+              <a:buChar char="•"/>
+            </a:pPr>
+            <a:r>
+              <a:rPr lang="zh-CN" altLang="en-US" sz="1600" dirty="0" smtClean="0">
+                <a:solidFill>
+                  <a:schemeClr val="bg1"/>
+                </a:solidFill>
+                <a:latin typeface="Yuanti SC Light" charset="-122"/>
+                <a:ea typeface="Yuanti SC Light" charset="-122"/>
+                <a:cs typeface="Yuanti SC Light" charset="-122"/>
+              </a:rPr>
+              <a:t>股票筛选通过</a:t>
+            </a:r>
+            <a:r>
+              <a:rPr lang="en-US" altLang="zh-CN" sz="1600" dirty="0" err="1" smtClean="0">
+                <a:solidFill>
+                  <a:srgbClr val="FFFF00"/>
+                </a:solidFill>
+                <a:latin typeface="Yuanti SC Light" charset="-122"/>
+                <a:ea typeface="Yuanti SC Light" charset="-122"/>
+                <a:cs typeface="Yuanti SC Light" charset="-122"/>
+              </a:rPr>
+              <a:t>StockScreener</a:t>
+            </a:r>
+            <a:r>
+              <a:rPr lang="zh-CN" altLang="en-US" sz="1600" dirty="0" smtClean="0">
+                <a:solidFill>
+                  <a:schemeClr val="bg1"/>
+                </a:solidFill>
+                <a:latin typeface="Yuanti SC Light" charset="-122"/>
+                <a:ea typeface="Yuanti SC Light" charset="-122"/>
+                <a:cs typeface="Yuanti SC Light" charset="-122"/>
+              </a:rPr>
+              <a:t>来做，</a:t>
+            </a:r>
+            <a:r>
+              <a:rPr lang="zh-CN" altLang="en-US" sz="1600" dirty="0">
+                <a:solidFill>
+                  <a:schemeClr val="bg1"/>
+                </a:solidFill>
+                <a:latin typeface="Yuanti SC Light" charset="-122"/>
+                <a:ea typeface="Yuanti SC Light" charset="-122"/>
+                <a:cs typeface="Yuanti SC Light" charset="-122"/>
+              </a:rPr>
+              <a:t>过滤条件通过</a:t>
+            </a:r>
+            <a:r>
+              <a:rPr lang="en-US" altLang="zh-CN" sz="1600" dirty="0">
+                <a:solidFill>
+                  <a:srgbClr val="FFFF00"/>
+                </a:solidFill>
+                <a:latin typeface="Yuanti SC Light" charset="-122"/>
+                <a:ea typeface="Yuanti SC Light" charset="-122"/>
+                <a:cs typeface="Yuanti SC Light" charset="-122"/>
+              </a:rPr>
+              <a:t>Factor</a:t>
+            </a:r>
+            <a:r>
+              <a:rPr lang="zh-CN" altLang="en-US" sz="1600" dirty="0">
+                <a:solidFill>
+                  <a:schemeClr val="bg1"/>
+                </a:solidFill>
+                <a:latin typeface="Yuanti SC Light" charset="-122"/>
+                <a:ea typeface="Yuanti SC Light" charset="-122"/>
+                <a:cs typeface="Yuanti SC Light" charset="-122"/>
+              </a:rPr>
+              <a:t>的属性来</a:t>
+            </a:r>
+            <a:r>
+              <a:rPr lang="zh-CN" altLang="en-US" sz="1600" dirty="0" smtClean="0">
+                <a:solidFill>
+                  <a:schemeClr val="bg1"/>
+                </a:solidFill>
+                <a:latin typeface="Yuanti SC Light" charset="-122"/>
+                <a:ea typeface="Yuanti SC Light" charset="-122"/>
+                <a:cs typeface="Yuanti SC Light" charset="-122"/>
+              </a:rPr>
+              <a:t>构造。</a:t>
+            </a:r>
+            <a:r>
+              <a:rPr lang="zh-CN" altLang="en-US" dirty="0">
+                <a:solidFill>
+                  <a:schemeClr val="bg1"/>
+                </a:solidFill>
+                <a:latin typeface="Yuanti SC Light" charset="-122"/>
+                <a:ea typeface="Yuanti SC Light" charset="-122"/>
+                <a:cs typeface="Yuanti SC Light" charset="-122"/>
+              </a:rPr>
+              <a:t>					</a:t>
+            </a:r>
+          </a:p>
+        </p:txBody>
+      </p:sp>
+      <p:pic>
+        <p:nvPicPr>
+          <p:cNvPr id="8" name="图片 7"/>
+          <p:cNvPicPr>
+            <a:picLocks noChangeAspect="1"/>
+          </p:cNvPicPr>
+          <p:nvPr/>
+        </p:nvPicPr>
+        <p:blipFill>
+          <a:blip r:embed="rId4"/>
+          <a:stretch>
+            <a:fillRect/>
+          </a:stretch>
+        </p:blipFill>
+        <p:spPr>
+          <a:xfrm>
+            <a:off x="9158098" y="1659172"/>
+            <a:ext cx="2363687" cy="4798142"/>
+          </a:xfrm>
+          <a:prstGeom prst="rect">
+            <a:avLst/>
+          </a:prstGeom>
+        </p:spPr>
+      </p:pic>
     </p:spTree>
     <p:extLst>
       <p:ext uri="{BB962C8B-B14F-4D97-AF65-F5344CB8AC3E}">
@@ -38543,7 +39567,7 @@
 </p:sld>
 </file>
 
-<file path=ppt/slides/slide37.xml><?xml version="1.0" encoding="utf-8"?>
+<file path=ppt/slides/slide38.xml><?xml version="1.0" encoding="utf-8"?>
 <p:sld xmlns:a="http://schemas.openxmlformats.org/drawingml/2006/main" xmlns:r="http://schemas.openxmlformats.org/officeDocument/2006/relationships" xmlns:p="http://schemas.openxmlformats.org/presentationml/2006/main">
   <p:cSld>
     <p:spTree>
